--- a/Theory/My/MyCourseWork.pptx
+++ b/Theory/My/MyCourseWork.pptx
@@ -1901,8 +1901,8 @@
     </dgm:pt>
   </dgm:ptLst>
   <dgm:cxnLst>
+    <dgm:cxn modelId="{0BD8DD95-DBF2-437C-8EAD-0FACB0FA25F5}" srcId="{CCC1387C-8695-49DA-AEC2-E4EE68400D57}" destId="{2785B999-B917-41C7-8528-FFDCE9D9056D}" srcOrd="2" destOrd="0" parTransId="{C81E440F-A1A5-48B4-BAC7-E1209533C3E4}" sibTransId="{70735441-0B18-4597-8EF5-7C0C0608F704}"/>
     <dgm:cxn modelId="{329B7A22-FF88-478A-9E71-DC9D630F2EDE}" type="presOf" srcId="{CCC1387C-8695-49DA-AEC2-E4EE68400D57}" destId="{A32EDB2F-25A2-4AD2-A44F-704DBDDA658F}" srcOrd="0" destOrd="0" presId="urn:microsoft.com/office/officeart/2005/8/layout/pyramid2"/>
-    <dgm:cxn modelId="{0BD8DD95-DBF2-437C-8EAD-0FACB0FA25F5}" srcId="{CCC1387C-8695-49DA-AEC2-E4EE68400D57}" destId="{2785B999-B917-41C7-8528-FFDCE9D9056D}" srcOrd="2" destOrd="0" parTransId="{C81E440F-A1A5-48B4-BAC7-E1209533C3E4}" sibTransId="{70735441-0B18-4597-8EF5-7C0C0608F704}"/>
     <dgm:cxn modelId="{245EC8CC-23F7-4ED9-B18E-B8A25EBA63A4}" type="presOf" srcId="{D821A3D1-415F-42F7-A77D-904E4DAF9C6E}" destId="{70D2B4B6-239F-46BF-941E-A48D138BC10A}" srcOrd="0" destOrd="0" presId="urn:microsoft.com/office/officeart/2005/8/layout/pyramid2"/>
     <dgm:cxn modelId="{E3FE6046-AA08-4D73-B123-F0F7AA354E00}" type="presOf" srcId="{A2E94C33-FF0B-48F6-9559-B2FB83886692}" destId="{404E865F-569C-49F8-BB53-6ACA4B7A3807}" srcOrd="0" destOrd="0" presId="urn:microsoft.com/office/officeart/2005/8/layout/pyramid2"/>
     <dgm:cxn modelId="{E1BEEE50-529B-4638-998D-7E7EBFE13E2A}" srcId="{CCC1387C-8695-49DA-AEC2-E4EE68400D57}" destId="{A2E94C33-FF0B-48F6-9559-B2FB83886692}" srcOrd="1" destOrd="0" parTransId="{58F80590-4C30-4434-A12B-DFEC3405E914}" sibTransId="{F1A1E929-ED33-4ED2-A56F-3D2FEC71C414}"/>
@@ -2574,6 +2574,13 @@
         </dgm:presLayoutVars>
       </dgm:prSet>
       <dgm:spPr/>
+      <dgm:t>
+        <a:bodyPr/>
+        <a:lstStyle/>
+        <a:p>
+          <a:endParaRPr lang="ru-RU"/>
+        </a:p>
+      </dgm:t>
     </dgm:pt>
     <dgm:pt modelId="{5D5B30FB-DE02-4B4F-8472-D4E48936A912}" type="pres">
       <dgm:prSet presAssocID="{98B2949B-F0D8-4D91-B74B-BAB1A875026C}" presName="dummyMaxCanvas" presStyleCnt="0">
@@ -2588,6 +2595,13 @@
         </dgm:presLayoutVars>
       </dgm:prSet>
       <dgm:spPr/>
+      <dgm:t>
+        <a:bodyPr/>
+        <a:lstStyle/>
+        <a:p>
+          <a:endParaRPr lang="ru-RU"/>
+        </a:p>
+      </dgm:t>
     </dgm:pt>
     <dgm:pt modelId="{4B134677-CB9E-407E-AE02-119F52658DCD}" type="pres">
       <dgm:prSet presAssocID="{98B2949B-F0D8-4D91-B74B-BAB1A875026C}" presName="FourNodes_2" presStyleLbl="node1" presStyleIdx="1" presStyleCnt="4">
@@ -2596,6 +2610,13 @@
         </dgm:presLayoutVars>
       </dgm:prSet>
       <dgm:spPr/>
+      <dgm:t>
+        <a:bodyPr/>
+        <a:lstStyle/>
+        <a:p>
+          <a:endParaRPr lang="ru-RU"/>
+        </a:p>
+      </dgm:t>
     </dgm:pt>
     <dgm:pt modelId="{4228E569-B4C0-4BDC-A7A0-E615B4DB9FA2}" type="pres">
       <dgm:prSet presAssocID="{98B2949B-F0D8-4D91-B74B-BAB1A875026C}" presName="FourNodes_3" presStyleLbl="node1" presStyleIdx="2" presStyleCnt="4">
@@ -2604,6 +2625,13 @@
         </dgm:presLayoutVars>
       </dgm:prSet>
       <dgm:spPr/>
+      <dgm:t>
+        <a:bodyPr/>
+        <a:lstStyle/>
+        <a:p>
+          <a:endParaRPr lang="ru-RU"/>
+        </a:p>
+      </dgm:t>
     </dgm:pt>
     <dgm:pt modelId="{6601E7F8-E537-4A5B-9660-0DB0119BD849}" type="pres">
       <dgm:prSet presAssocID="{98B2949B-F0D8-4D91-B74B-BAB1A875026C}" presName="FourNodes_4" presStyleLbl="node1" presStyleIdx="3" presStyleCnt="4">
@@ -2612,6 +2640,13 @@
         </dgm:presLayoutVars>
       </dgm:prSet>
       <dgm:spPr/>
+      <dgm:t>
+        <a:bodyPr/>
+        <a:lstStyle/>
+        <a:p>
+          <a:endParaRPr lang="ru-RU"/>
+        </a:p>
+      </dgm:t>
     </dgm:pt>
     <dgm:pt modelId="{F0C1A6EB-23D1-4DEB-9E6C-7105A68804C3}" type="pres">
       <dgm:prSet presAssocID="{98B2949B-F0D8-4D91-B74B-BAB1A875026C}" presName="FourConn_1-2" presStyleLbl="fgAccFollowNode1" presStyleIdx="0" presStyleCnt="3">
@@ -2620,6 +2655,13 @@
         </dgm:presLayoutVars>
       </dgm:prSet>
       <dgm:spPr/>
+      <dgm:t>
+        <a:bodyPr/>
+        <a:lstStyle/>
+        <a:p>
+          <a:endParaRPr lang="ru-RU"/>
+        </a:p>
+      </dgm:t>
     </dgm:pt>
     <dgm:pt modelId="{A1A56BD0-E356-42C7-A5EE-2C12F3B3F69E}" type="pres">
       <dgm:prSet presAssocID="{98B2949B-F0D8-4D91-B74B-BAB1A875026C}" presName="FourConn_2-3" presStyleLbl="fgAccFollowNode1" presStyleIdx="1" presStyleCnt="3">
@@ -2628,6 +2670,13 @@
         </dgm:presLayoutVars>
       </dgm:prSet>
       <dgm:spPr/>
+      <dgm:t>
+        <a:bodyPr/>
+        <a:lstStyle/>
+        <a:p>
+          <a:endParaRPr lang="ru-RU"/>
+        </a:p>
+      </dgm:t>
     </dgm:pt>
     <dgm:pt modelId="{4A076B40-39AE-4B74-98E7-B1B6BCD604CE}" type="pres">
       <dgm:prSet presAssocID="{98B2949B-F0D8-4D91-B74B-BAB1A875026C}" presName="FourConn_3-4" presStyleLbl="fgAccFollowNode1" presStyleIdx="2" presStyleCnt="3">
@@ -2636,6 +2685,13 @@
         </dgm:presLayoutVars>
       </dgm:prSet>
       <dgm:spPr/>
+      <dgm:t>
+        <a:bodyPr/>
+        <a:lstStyle/>
+        <a:p>
+          <a:endParaRPr lang="ru-RU"/>
+        </a:p>
+      </dgm:t>
     </dgm:pt>
     <dgm:pt modelId="{21E8CE66-178D-4A97-A6E2-38B1274C5F29}" type="pres">
       <dgm:prSet presAssocID="{98B2949B-F0D8-4D91-B74B-BAB1A875026C}" presName="FourNodes_1_text" presStyleLbl="node1" presStyleIdx="3" presStyleCnt="4">
@@ -2644,6 +2700,13 @@
         </dgm:presLayoutVars>
       </dgm:prSet>
       <dgm:spPr/>
+      <dgm:t>
+        <a:bodyPr/>
+        <a:lstStyle/>
+        <a:p>
+          <a:endParaRPr lang="ru-RU"/>
+        </a:p>
+      </dgm:t>
     </dgm:pt>
     <dgm:pt modelId="{2D00D6BB-AAF1-417B-928A-5BAEAABE1872}" type="pres">
       <dgm:prSet presAssocID="{98B2949B-F0D8-4D91-B74B-BAB1A875026C}" presName="FourNodes_2_text" presStyleLbl="node1" presStyleIdx="3" presStyleCnt="4">
@@ -2652,6 +2715,13 @@
         </dgm:presLayoutVars>
       </dgm:prSet>
       <dgm:spPr/>
+      <dgm:t>
+        <a:bodyPr/>
+        <a:lstStyle/>
+        <a:p>
+          <a:endParaRPr lang="ru-RU"/>
+        </a:p>
+      </dgm:t>
     </dgm:pt>
     <dgm:pt modelId="{750BC111-9AA2-4D1B-B435-3C8597E5F60B}" type="pres">
       <dgm:prSet presAssocID="{98B2949B-F0D8-4D91-B74B-BAB1A875026C}" presName="FourNodes_3_text" presStyleLbl="node1" presStyleIdx="3" presStyleCnt="4">
@@ -2660,6 +2730,13 @@
         </dgm:presLayoutVars>
       </dgm:prSet>
       <dgm:spPr/>
+      <dgm:t>
+        <a:bodyPr/>
+        <a:lstStyle/>
+        <a:p>
+          <a:endParaRPr lang="ru-RU"/>
+        </a:p>
+      </dgm:t>
     </dgm:pt>
     <dgm:pt modelId="{E6398674-1D25-4E56-A396-3D29157CEE0E}" type="pres">
       <dgm:prSet presAssocID="{98B2949B-F0D8-4D91-B74B-BAB1A875026C}" presName="FourNodes_4_text" presStyleLbl="node1" presStyleIdx="3" presStyleCnt="4">
@@ -2668,25 +2745,32 @@
         </dgm:presLayoutVars>
       </dgm:prSet>
       <dgm:spPr/>
+      <dgm:t>
+        <a:bodyPr/>
+        <a:lstStyle/>
+        <a:p>
+          <a:endParaRPr lang="ru-RU"/>
+        </a:p>
+      </dgm:t>
     </dgm:pt>
   </dgm:ptLst>
   <dgm:cxnLst>
-    <dgm:cxn modelId="{42D3537E-2959-4B55-8131-51D52EFD9EEA}" srcId="{98B2949B-F0D8-4D91-B74B-BAB1A875026C}" destId="{BE254F52-11D4-4CCC-B584-F5313EB93C9C}" srcOrd="3" destOrd="0" parTransId="{8A7AE36D-A20F-4A0A-93C9-F511ACF2B9CE}" sibTransId="{E030F68E-8F97-4110-82E5-2337C9B305B1}"/>
-    <dgm:cxn modelId="{AAD39856-66B9-4E93-84C7-7B59484849A2}" type="presOf" srcId="{E8C75D4E-9034-4C19-B0C1-846411C8100B}" destId="{4B134677-CB9E-407E-AE02-119F52658DCD}" srcOrd="0" destOrd="0" presId="urn:microsoft.com/office/officeart/2005/8/layout/vProcess5"/>
-    <dgm:cxn modelId="{7A2AEEC4-784E-43BB-B4CE-AB928C2E317F}" type="presOf" srcId="{93575A2D-9E9D-4730-8B23-BBB3AFCC636A}" destId="{4228E569-B4C0-4BDC-A7A0-E615B4DB9FA2}" srcOrd="0" destOrd="0" presId="urn:microsoft.com/office/officeart/2005/8/layout/vProcess5"/>
-    <dgm:cxn modelId="{0325283D-2927-4106-8E5A-55A5E6B36C02}" srcId="{98B2949B-F0D8-4D91-B74B-BAB1A875026C}" destId="{E8C75D4E-9034-4C19-B0C1-846411C8100B}" srcOrd="1" destOrd="0" parTransId="{E398ED5C-368D-44A6-B0FE-872E4CF90B9E}" sibTransId="{3AB23906-92B7-4BD3-B57E-E3328E8434D8}"/>
-    <dgm:cxn modelId="{91605920-15BA-4A7B-8534-3544697F99C6}" type="presOf" srcId="{93575A2D-9E9D-4730-8B23-BBB3AFCC636A}" destId="{750BC111-9AA2-4D1B-B435-3C8597E5F60B}" srcOrd="1" destOrd="0" presId="urn:microsoft.com/office/officeart/2005/8/layout/vProcess5"/>
-    <dgm:cxn modelId="{04E156AF-04A9-4306-BBC5-938E7C47B730}" type="presOf" srcId="{32D17E49-CE40-42DD-8595-1B7E3AB9DD5F}" destId="{4A076B40-39AE-4B74-98E7-B1B6BCD604CE}" srcOrd="0" destOrd="0" presId="urn:microsoft.com/office/officeart/2005/8/layout/vProcess5"/>
+    <dgm:cxn modelId="{8D22858C-48DA-4E90-B620-0C33EB6EF25A}" type="presOf" srcId="{2B963228-A0A5-4566-929C-3CAAADAC0E3B}" destId="{9A28F869-E13D-4AC4-BD3C-08D574C0F2FD}" srcOrd="0" destOrd="0" presId="urn:microsoft.com/office/officeart/2005/8/layout/vProcess5"/>
+    <dgm:cxn modelId="{05F266E0-883D-42CF-A784-BF157F057105}" type="presOf" srcId="{BE254F52-11D4-4CCC-B584-F5313EB93C9C}" destId="{E6398674-1D25-4E56-A396-3D29157CEE0E}" srcOrd="1" destOrd="0" presId="urn:microsoft.com/office/officeart/2005/8/layout/vProcess5"/>
+    <dgm:cxn modelId="{C4C128E9-5E78-46A3-AB3E-3AF1AB2FAF96}" srcId="{98B2949B-F0D8-4D91-B74B-BAB1A875026C}" destId="{2B963228-A0A5-4566-929C-3CAAADAC0E3B}" srcOrd="0" destOrd="0" parTransId="{9A4BEFDD-144B-460D-9947-AC26A9C368BD}" sibTransId="{E8738CF9-9BAE-4E38-9570-3BE5127DD21A}"/>
     <dgm:cxn modelId="{8319FCA5-7ABB-44D3-BCB7-D78A41B57799}" type="presOf" srcId="{2B963228-A0A5-4566-929C-3CAAADAC0E3B}" destId="{21E8CE66-178D-4A97-A6E2-38B1274C5F29}" srcOrd="1" destOrd="0" presId="urn:microsoft.com/office/officeart/2005/8/layout/vProcess5"/>
     <dgm:cxn modelId="{EA020B28-FF70-4D67-A348-1054B07574E8}" type="presOf" srcId="{E8C75D4E-9034-4C19-B0C1-846411C8100B}" destId="{2D00D6BB-AAF1-417B-928A-5BAEAABE1872}" srcOrd="1" destOrd="0" presId="urn:microsoft.com/office/officeart/2005/8/layout/vProcess5"/>
+    <dgm:cxn modelId="{04E156AF-04A9-4306-BBC5-938E7C47B730}" type="presOf" srcId="{32D17E49-CE40-42DD-8595-1B7E3AB9DD5F}" destId="{4A076B40-39AE-4B74-98E7-B1B6BCD604CE}" srcOrd="0" destOrd="0" presId="urn:microsoft.com/office/officeart/2005/8/layout/vProcess5"/>
+    <dgm:cxn modelId="{42D3537E-2959-4B55-8131-51D52EFD9EEA}" srcId="{98B2949B-F0D8-4D91-B74B-BAB1A875026C}" destId="{BE254F52-11D4-4CCC-B584-F5313EB93C9C}" srcOrd="3" destOrd="0" parTransId="{8A7AE36D-A20F-4A0A-93C9-F511ACF2B9CE}" sibTransId="{E030F68E-8F97-4110-82E5-2337C9B305B1}"/>
+    <dgm:cxn modelId="{0325283D-2927-4106-8E5A-55A5E6B36C02}" srcId="{98B2949B-F0D8-4D91-B74B-BAB1A875026C}" destId="{E8C75D4E-9034-4C19-B0C1-846411C8100B}" srcOrd="1" destOrd="0" parTransId="{E398ED5C-368D-44A6-B0FE-872E4CF90B9E}" sibTransId="{3AB23906-92B7-4BD3-B57E-E3328E8434D8}"/>
+    <dgm:cxn modelId="{197335A7-41AA-43DE-A41E-9B75A61CCD88}" type="presOf" srcId="{3AB23906-92B7-4BD3-B57E-E3328E8434D8}" destId="{A1A56BD0-E356-42C7-A5EE-2C12F3B3F69E}" srcOrd="0" destOrd="0" presId="urn:microsoft.com/office/officeart/2005/8/layout/vProcess5"/>
+    <dgm:cxn modelId="{13195F30-C851-42E7-8150-F71BF96CED03}" srcId="{98B2949B-F0D8-4D91-B74B-BAB1A875026C}" destId="{93575A2D-9E9D-4730-8B23-BBB3AFCC636A}" srcOrd="2" destOrd="0" parTransId="{2411EFD8-DE54-493E-AEAF-EB813FDABB5B}" sibTransId="{32D17E49-CE40-42DD-8595-1B7E3AB9DD5F}"/>
+    <dgm:cxn modelId="{91605920-15BA-4A7B-8534-3544697F99C6}" type="presOf" srcId="{93575A2D-9E9D-4730-8B23-BBB3AFCC636A}" destId="{750BC111-9AA2-4D1B-B435-3C8597E5F60B}" srcOrd="1" destOrd="0" presId="urn:microsoft.com/office/officeart/2005/8/layout/vProcess5"/>
     <dgm:cxn modelId="{2A3927D5-00DD-4CE4-915E-E90E77466C8A}" type="presOf" srcId="{BE254F52-11D4-4CCC-B584-F5313EB93C9C}" destId="{6601E7F8-E537-4A5B-9660-0DB0119BD849}" srcOrd="0" destOrd="0" presId="urn:microsoft.com/office/officeart/2005/8/layout/vProcess5"/>
+    <dgm:cxn modelId="{7A2AEEC4-784E-43BB-B4CE-AB928C2E317F}" type="presOf" srcId="{93575A2D-9E9D-4730-8B23-BBB3AFCC636A}" destId="{4228E569-B4C0-4BDC-A7A0-E615B4DB9FA2}" srcOrd="0" destOrd="0" presId="urn:microsoft.com/office/officeart/2005/8/layout/vProcess5"/>
     <dgm:cxn modelId="{872056AA-7FB5-4FD7-BD62-CDCD5FD1B910}" type="presOf" srcId="{98B2949B-F0D8-4D91-B74B-BAB1A875026C}" destId="{97C77772-53D1-492A-87BA-5D195E950725}" srcOrd="0" destOrd="0" presId="urn:microsoft.com/office/officeart/2005/8/layout/vProcess5"/>
-    <dgm:cxn modelId="{C4C128E9-5E78-46A3-AB3E-3AF1AB2FAF96}" srcId="{98B2949B-F0D8-4D91-B74B-BAB1A875026C}" destId="{2B963228-A0A5-4566-929C-3CAAADAC0E3B}" srcOrd="0" destOrd="0" parTransId="{9A4BEFDD-144B-460D-9947-AC26A9C368BD}" sibTransId="{E8738CF9-9BAE-4E38-9570-3BE5127DD21A}"/>
-    <dgm:cxn modelId="{05F266E0-883D-42CF-A784-BF157F057105}" type="presOf" srcId="{BE254F52-11D4-4CCC-B584-F5313EB93C9C}" destId="{E6398674-1D25-4E56-A396-3D29157CEE0E}" srcOrd="1" destOrd="0" presId="urn:microsoft.com/office/officeart/2005/8/layout/vProcess5"/>
-    <dgm:cxn modelId="{13195F30-C851-42E7-8150-F71BF96CED03}" srcId="{98B2949B-F0D8-4D91-B74B-BAB1A875026C}" destId="{93575A2D-9E9D-4730-8B23-BBB3AFCC636A}" srcOrd="2" destOrd="0" parTransId="{2411EFD8-DE54-493E-AEAF-EB813FDABB5B}" sibTransId="{32D17E49-CE40-42DD-8595-1B7E3AB9DD5F}"/>
-    <dgm:cxn modelId="{197335A7-41AA-43DE-A41E-9B75A61CCD88}" type="presOf" srcId="{3AB23906-92B7-4BD3-B57E-E3328E8434D8}" destId="{A1A56BD0-E356-42C7-A5EE-2C12F3B3F69E}" srcOrd="0" destOrd="0" presId="urn:microsoft.com/office/officeart/2005/8/layout/vProcess5"/>
     <dgm:cxn modelId="{1F42171A-0622-4DD0-8C96-0FBD0DC33C64}" type="presOf" srcId="{E8738CF9-9BAE-4E38-9570-3BE5127DD21A}" destId="{F0C1A6EB-23D1-4DEB-9E6C-7105A68804C3}" srcOrd="0" destOrd="0" presId="urn:microsoft.com/office/officeart/2005/8/layout/vProcess5"/>
-    <dgm:cxn modelId="{8D22858C-48DA-4E90-B620-0C33EB6EF25A}" type="presOf" srcId="{2B963228-A0A5-4566-929C-3CAAADAC0E3B}" destId="{9A28F869-E13D-4AC4-BD3C-08D574C0F2FD}" srcOrd="0" destOrd="0" presId="urn:microsoft.com/office/officeart/2005/8/layout/vProcess5"/>
+    <dgm:cxn modelId="{AAD39856-66B9-4E93-84C7-7B59484849A2}" type="presOf" srcId="{E8C75D4E-9034-4C19-B0C1-846411C8100B}" destId="{4B134677-CB9E-407E-AE02-119F52658DCD}" srcOrd="0" destOrd="0" presId="urn:microsoft.com/office/officeart/2005/8/layout/vProcess5"/>
     <dgm:cxn modelId="{AD5F2AAB-1430-4EF4-A8F0-86866D2161AC}" type="presParOf" srcId="{97C77772-53D1-492A-87BA-5D195E950725}" destId="{5D5B30FB-DE02-4B4F-8472-D4E48936A912}" srcOrd="0" destOrd="0" presId="urn:microsoft.com/office/officeart/2005/8/layout/vProcess5"/>
     <dgm:cxn modelId="{14271F70-7B72-41A6-8D1C-2CE5642864BA}" type="presParOf" srcId="{97C77772-53D1-492A-87BA-5D195E950725}" destId="{9A28F869-E13D-4AC4-BD3C-08D574C0F2FD}" srcOrd="1" destOrd="0" presId="urn:microsoft.com/office/officeart/2005/8/layout/vProcess5"/>
     <dgm:cxn modelId="{73E73BA1-8A36-461C-AC6D-C08451CE5F58}" type="presParOf" srcId="{97C77772-53D1-492A-87BA-5D195E950725}" destId="{4B134677-CB9E-407E-AE02-119F52658DCD}" srcOrd="2" destOrd="0" presId="urn:microsoft.com/office/officeart/2005/8/layout/vProcess5"/>
@@ -8463,7 +8547,7 @@
           <a:p>
             <a:fld id="{1348E35C-29AA-4C21-88F5-6ED7F9D65BAA}" type="datetimeFigureOut">
               <a:rPr lang="uk-UA" smtClean="0"/>
-              <a:t>22.04.2015</a:t>
+              <a:t>23.04.2015</a:t>
             </a:fld>
             <a:endParaRPr lang="uk-UA"/>
           </a:p>
@@ -8659,7 +8743,7 @@
           <a:p>
             <a:fld id="{1348E35C-29AA-4C21-88F5-6ED7F9D65BAA}" type="datetimeFigureOut">
               <a:rPr lang="uk-UA" smtClean="0"/>
-              <a:t>22.04.2015</a:t>
+              <a:t>23.04.2015</a:t>
             </a:fld>
             <a:endParaRPr lang="uk-UA"/>
           </a:p>
@@ -8844,7 +8928,7 @@
           <a:p>
             <a:fld id="{1348E35C-29AA-4C21-88F5-6ED7F9D65BAA}" type="datetimeFigureOut">
               <a:rPr lang="uk-UA" smtClean="0"/>
-              <a:t>22.04.2015</a:t>
+              <a:t>23.04.2015</a:t>
             </a:fld>
             <a:endParaRPr lang="uk-UA"/>
           </a:p>
@@ -8994,7 +9078,7 @@
           <a:p>
             <a:fld id="{1348E35C-29AA-4C21-88F5-6ED7F9D65BAA}" type="datetimeFigureOut">
               <a:rPr lang="uk-UA" smtClean="0"/>
-              <a:t>22.04.2015</a:t>
+              <a:t>23.04.2015</a:t>
             </a:fld>
             <a:endParaRPr lang="uk-UA"/>
           </a:p>
@@ -9249,7 +9333,7 @@
           <a:p>
             <a:fld id="{1348E35C-29AA-4C21-88F5-6ED7F9D65BAA}" type="datetimeFigureOut">
               <a:rPr lang="uk-UA" smtClean="0"/>
-              <a:t>22.04.2015</a:t>
+              <a:t>23.04.2015</a:t>
             </a:fld>
             <a:endParaRPr lang="uk-UA"/>
           </a:p>
@@ -9658,7 +9742,7 @@
           <a:p>
             <a:fld id="{1348E35C-29AA-4C21-88F5-6ED7F9D65BAA}" type="datetimeFigureOut">
               <a:rPr lang="uk-UA" smtClean="0"/>
-              <a:t>22.04.2015</a:t>
+              <a:t>23.04.2015</a:t>
             </a:fld>
             <a:endParaRPr lang="uk-UA"/>
           </a:p>
@@ -10104,7 +10188,7 @@
           <a:p>
             <a:fld id="{1348E35C-29AA-4C21-88F5-6ED7F9D65BAA}" type="datetimeFigureOut">
               <a:rPr lang="uk-UA" smtClean="0"/>
-              <a:t>22.04.2015</a:t>
+              <a:t>23.04.2015</a:t>
             </a:fld>
             <a:endParaRPr lang="uk-UA"/>
           </a:p>
@@ -10205,7 +10289,7 @@
           <a:p>
             <a:fld id="{1348E35C-29AA-4C21-88F5-6ED7F9D65BAA}" type="datetimeFigureOut">
               <a:rPr lang="uk-UA" smtClean="0"/>
-              <a:t>22.04.2015</a:t>
+              <a:t>23.04.2015</a:t>
             </a:fld>
             <a:endParaRPr lang="uk-UA"/>
           </a:p>
@@ -10326,7 +10410,7 @@
           <a:p>
             <a:fld id="{1348E35C-29AA-4C21-88F5-6ED7F9D65BAA}" type="datetimeFigureOut">
               <a:rPr lang="uk-UA" smtClean="0"/>
-              <a:t>22.04.2015</a:t>
+              <a:t>23.04.2015</a:t>
             </a:fld>
             <a:endParaRPr lang="uk-UA"/>
           </a:p>
@@ -10600,7 +10684,7 @@
           <a:p>
             <a:fld id="{1348E35C-29AA-4C21-88F5-6ED7F9D65BAA}" type="datetimeFigureOut">
               <a:rPr lang="uk-UA" smtClean="0"/>
-              <a:t>22.04.2015</a:t>
+              <a:t>23.04.2015</a:t>
             </a:fld>
             <a:endParaRPr lang="uk-UA"/>
           </a:p>
@@ -10805,7 +10889,7 @@
           <a:p>
             <a:fld id="{1348E35C-29AA-4C21-88F5-6ED7F9D65BAA}" type="datetimeFigureOut">
               <a:rPr lang="uk-UA" smtClean="0"/>
-              <a:t>22.04.2015</a:t>
+              <a:t>23.04.2015</a:t>
             </a:fld>
             <a:endParaRPr lang="uk-UA"/>
           </a:p>
@@ -11914,7 +11998,7 @@
           <a:p>
             <a:fld id="{1348E35C-29AA-4C21-88F5-6ED7F9D65BAA}" type="datetimeFigureOut">
               <a:rPr lang="uk-UA" smtClean="0"/>
-              <a:t>22.04.2015</a:t>
+              <a:t>23.04.2015</a:t>
             </a:fld>
             <a:endParaRPr lang="uk-UA"/>
           </a:p>
@@ -12389,14 +12473,7 @@
                 <a:latin typeface="Times New Roman" panose="02020603050405020304" pitchFamily="18" charset="0"/>
                 <a:cs typeface="Times New Roman" panose="02020603050405020304" pitchFamily="18" charset="0"/>
               </a:rPr>
-              <a:t>студентки </a:t>
-            </a:r>
-            <a:r>
-              <a:rPr lang="uk-UA" sz="2800" b="1" i="1" dirty="0" smtClean="0">
-                <a:latin typeface="Times New Roman" panose="02020603050405020304" pitchFamily="18" charset="0"/>
-                <a:cs typeface="Times New Roman" panose="02020603050405020304" pitchFamily="18" charset="0"/>
-              </a:rPr>
-              <a:t>2</a:t>
+              <a:t>студентки 2</a:t>
             </a:r>
             <a:r>
               <a:rPr lang="en-US" sz="2800" b="1" i="1" dirty="0" smtClean="0">
@@ -12434,14 +12511,7 @@
                 <a:latin typeface="Times New Roman" panose="02020603050405020304" pitchFamily="18" charset="0"/>
                 <a:cs typeface="Times New Roman" panose="02020603050405020304" pitchFamily="18" charset="0"/>
               </a:rPr>
-              <a:t>напряму </a:t>
-            </a:r>
-            <a:r>
-              <a:rPr lang="uk-UA" sz="2800" b="1" i="1" dirty="0" smtClean="0">
-                <a:latin typeface="Times New Roman" panose="02020603050405020304" pitchFamily="18" charset="0"/>
-                <a:cs typeface="Times New Roman" panose="02020603050405020304" pitchFamily="18" charset="0"/>
-              </a:rPr>
-              <a:t>підготовки</a:t>
+              <a:t>напряму підготовки</a:t>
             </a:r>
           </a:p>
           <a:p>
@@ -12451,21 +12521,7 @@
                 <a:latin typeface="Times New Roman" panose="02020603050405020304" pitchFamily="18" charset="0"/>
                 <a:cs typeface="Times New Roman" panose="02020603050405020304" pitchFamily="18" charset="0"/>
               </a:rPr>
-              <a:t>«</a:t>
-            </a:r>
-            <a:r>
-              <a:rPr lang="uk-UA" sz="2800" b="1" i="1" dirty="0" smtClean="0">
-                <a:latin typeface="Times New Roman" panose="02020603050405020304" pitchFamily="18" charset="0"/>
-                <a:cs typeface="Times New Roman" panose="02020603050405020304" pitchFamily="18" charset="0"/>
-              </a:rPr>
-              <a:t>Програмна </a:t>
-            </a:r>
-            <a:r>
-              <a:rPr lang="uk-UA" sz="2800" b="1" i="1" dirty="0" smtClean="0">
-                <a:latin typeface="Times New Roman" panose="02020603050405020304" pitchFamily="18" charset="0"/>
-                <a:cs typeface="Times New Roman" panose="02020603050405020304" pitchFamily="18" charset="0"/>
-              </a:rPr>
-              <a:t>інженерія»</a:t>
+              <a:t>«Програмна інженерія»</a:t>
             </a:r>
             <a:endParaRPr lang="uk-UA" sz="2800" b="1" i="1" dirty="0">
               <a:latin typeface="Times New Roman" panose="02020603050405020304" pitchFamily="18" charset="0"/>
@@ -12567,13 +12623,13 @@
   <p:clrMapOvr>
     <a:masterClrMapping/>
   </p:clrMapOvr>
-  <mc:AlternateContent xmlns:mc="http://schemas.openxmlformats.org/markup-compatibility/2006">
-    <mc:Choice xmlns:p14="http://schemas.microsoft.com/office/powerpoint/2010/main" Requires="p14">
+  <mc:AlternateContent xmlns:mc="http://schemas.openxmlformats.org/markup-compatibility/2006" xmlns:p14="http://schemas.microsoft.com/office/powerpoint/2010/main">
+    <mc:Choice Requires="p14">
       <p:transition spd="slow" p14:dur="900">
         <p14:warp dir="in"/>
       </p:transition>
     </mc:Choice>
-    <mc:Fallback>
+    <mc:Fallback xmlns="">
       <p:transition spd="slow">
         <p:fade/>
       </p:transition>
@@ -12757,7 +12813,6 @@
               <a:rPr lang="uk-UA" sz="2000" dirty="0"/>
               <a:t>вимагають знаходження оптимального рішення, яким, як правило, і виявляється найменше або найбільше значення функції, яка визначається завданням.</a:t>
             </a:r>
-            <a:endParaRPr lang="uk-UA" sz="2000" dirty="0"/>
           </a:p>
         </p:txBody>
       </p:sp>
@@ -13187,7 +13242,6 @@
               <a:rPr lang="uk-UA" dirty="0"/>
               <a:t> не може обробити поточний стан. </a:t>
             </a:r>
-            <a:endParaRPr lang="uk-UA" dirty="0"/>
           </a:p>
         </p:txBody>
       </p:sp>
@@ -13348,8 +13402,8 @@
           <a:chExt cx="0" cy="0"/>
         </a:xfrm>
       </p:grpSpPr>
-      <mc:AlternateContent xmlns:mc="http://schemas.openxmlformats.org/markup-compatibility/2006">
-        <mc:Choice xmlns:a14="http://schemas.microsoft.com/office/drawing/2010/main" Requires="a14">
+      <mc:AlternateContent xmlns:mc="http://schemas.openxmlformats.org/markup-compatibility/2006" xmlns:a14="http://schemas.microsoft.com/office/drawing/2010/main">
+        <mc:Choice Requires="a14">
           <p:sp>
             <p:nvSpPr>
               <p:cNvPr id="3" name="Объект 2"/>
@@ -13834,7 +13888,7 @@
                     <m:d>
                       <m:dPr>
                         <m:ctrlPr>
-                          <a:rPr lang="en-US" b="0" i="0" smtClean="0">
+                          <a:rPr lang="en-US" b="0" i="1" smtClean="0">
                             <a:latin typeface="Cambria Math"/>
                           </a:rPr>
                         </m:ctrlPr>
@@ -14427,7 +14481,7 @@
             </p:txBody>
           </p:sp>
         </mc:Choice>
-        <mc:Fallback>
+        <mc:Fallback xmlns="">
           <p:sp>
             <p:nvSpPr>
               <p:cNvPr id="3" name="Объект 2"/>
@@ -14505,8 +14559,8 @@
           <a:chExt cx="0" cy="0"/>
         </a:xfrm>
       </p:grpSpPr>
-      <mc:AlternateContent xmlns:mc="http://schemas.openxmlformats.org/markup-compatibility/2006">
-        <mc:Choice xmlns:a14="http://schemas.microsoft.com/office/drawing/2010/main" Requires="a14">
+      <mc:AlternateContent xmlns:mc="http://schemas.openxmlformats.org/markup-compatibility/2006" xmlns:a14="http://schemas.microsoft.com/office/drawing/2010/main">
+        <mc:Choice Requires="a14">
           <p:sp>
             <p:nvSpPr>
               <p:cNvPr id="3" name="Объект 2"/>
@@ -14788,7 +14842,7 @@
             </p:txBody>
           </p:sp>
         </mc:Choice>
-        <mc:Fallback>
+        <mc:Fallback xmlns="">
           <p:sp>
             <p:nvSpPr>
               <p:cNvPr id="3" name="Объект 2"/>
